--- a/无线传感器网络/Lecture4-5  WSN的通信与组网技术.pptx
+++ b/无线传感器网络/Lecture4-5  WSN的通信与组网技术.pptx
@@ -228,7 +228,7 @@
             <a:fld id="{249A60A9-CE3B-4755-B21D-249F8A41550C}" type="datetimeFigureOut">
               <a:rPr lang="zh-CN" altLang="en-US" smtClean="0"/>
               <a:pPr/>
-              <a:t>2018-5-22</a:t>
+              <a:t>2019/5/27</a:t>
             </a:fld>
             <a:endParaRPr lang="zh-CN" altLang="en-US"/>
           </a:p>
@@ -5812,15 +5812,7 @@
                   <a:srgbClr val="C00000"/>
                 </a:solidFill>
               </a:rPr>
-              <a:t>T</a:t>
-            </a:r>
-            <a:r>
-              <a:rPr lang="en-US" altLang="zh-CN" dirty="0" smtClean="0">
-                <a:solidFill>
-                  <a:srgbClr val="C00000"/>
-                </a:solidFill>
-              </a:rPr>
-              <a:t>o DS</a:t>
+              <a:t>To DS</a:t>
             </a:r>
             <a:r>
               <a:rPr lang="zh-CN" altLang="en-US" dirty="0" smtClean="0">
@@ -9024,7 +9016,19 @@
             </a:r>
             <a:r>
               <a:rPr lang="zh-CN" altLang="en-US" sz="3300" b="0" dirty="0"/>
-              <a:t>为建立、维护和释放数据链路尸体之间的二进制比特传输的物理连接，提供机械的、电气的、功能的和规程性的特性。</a:t>
+              <a:t>为建立、维护和释放</a:t>
+            </a:r>
+            <a:r>
+              <a:rPr lang="zh-CN" altLang="en-US" sz="3300" b="0"/>
+              <a:t>数据</a:t>
+            </a:r>
+            <a:r>
+              <a:rPr lang="zh-CN" altLang="en-US" sz="3300" b="0" smtClean="0"/>
+              <a:t>链路实体之间</a:t>
+            </a:r>
+            <a:r>
+              <a:rPr lang="zh-CN" altLang="en-US" sz="3300" b="0" dirty="0"/>
+              <a:t>的二进制比特传输的物理连接，提供机械的、电气的、功能的和规程性的特性。</a:t>
             </a:r>
             <a:endParaRPr lang="en-US" altLang="zh-CN" sz="3300" b="0" dirty="0"/>
           </a:p>
